--- a/Aditya_Kintali.pptx
+++ b/Aditya_Kintali.pptx
@@ -9,6 +9,8 @@
     <p:sldId id="3331" r:id="rId3"/>
     <p:sldId id="4099" r:id="rId4"/>
     <p:sldId id="4094" r:id="rId5"/>
+    <p:sldId id="4100" r:id="rId6"/>
+    <p:sldId id="4101" r:id="rId7"/>
   </p:sldIdLst>
   <p:sldSz cx="12192000" cy="6858000"/>
   <p:notesSz cx="6858000" cy="9144000"/>
@@ -8445,6 +8447,357 @@
 </p:sld>
 </file>
 
+<file path=ppt/slides/slide5.xml><?xml version="1.0" encoding="utf-8"?>
+<p:sld xmlns:a="http://schemas.openxmlformats.org/drawingml/2006/main" xmlns:r="http://schemas.openxmlformats.org/officeDocument/2006/relationships" xmlns:p="http://schemas.openxmlformats.org/presentationml/2006/main">
+  <p:cSld>
+    <p:spTree>
+      <p:nvGrpSpPr>
+        <p:cNvPr id="1" name=""/>
+        <p:cNvGrpSpPr/>
+        <p:nvPr/>
+      </p:nvGrpSpPr>
+      <p:grpSpPr>
+        <a:xfrm>
+          <a:off x="0" y="0"/>
+          <a:ext cx="0" cy="0"/>
+          <a:chOff x="0" y="0"/>
+          <a:chExt cx="0" cy="0"/>
+        </a:xfrm>
+      </p:grpSpPr>
+      <p:sp>
+        <p:nvSpPr>
+          <p:cNvPr id="2" name="Title 1">
+            <a:extLst>
+              <a:ext uri="{FF2B5EF4-FFF2-40B4-BE49-F238E27FC236}">
+                <a16:creationId xmlns:a16="http://schemas.microsoft.com/office/drawing/2014/main" id="{50F3D499-825B-0DB6-28AE-4FC7C3C72DA4}"/>
+              </a:ext>
+            </a:extLst>
+          </p:cNvPr>
+          <p:cNvSpPr>
+            <a:spLocks noGrp="1"/>
+          </p:cNvSpPr>
+          <p:nvPr>
+            <p:ph type="title"/>
+          </p:nvPr>
+        </p:nvSpPr>
+        <p:spPr>
+          <a:xfrm>
+            <a:off x="0" y="0"/>
+            <a:ext cx="12192000" cy="1178805"/>
+          </a:xfrm>
+          <a:solidFill>
+            <a:schemeClr val="accent1"/>
+          </a:solidFill>
+        </p:spPr>
+        <p:txBody>
+          <a:bodyPr/>
+          <a:lstStyle/>
+          <a:p>
+            <a:pPr algn="ctr"/>
+            <a:r>
+              <a:rPr lang="en-US" b="1" dirty="0">
+                <a:solidFill>
+                  <a:schemeClr val="bg1"/>
+                </a:solidFill>
+                <a:latin typeface="Poppins" pitchFamily="2" charset="77"/>
+                <a:ea typeface="League Spartan" charset="0"/>
+                <a:cs typeface="Poppins" pitchFamily="2" charset="77"/>
+              </a:rPr>
+              <a:t>Data Sourcing &amp; Understanding</a:t>
+            </a:r>
+            <a:endParaRPr lang="en-US" dirty="0"/>
+          </a:p>
+        </p:txBody>
+      </p:sp>
+      <p:sp>
+        <p:nvSpPr>
+          <p:cNvPr id="3" name="Content Placeholder 2">
+            <a:extLst>
+              <a:ext uri="{FF2B5EF4-FFF2-40B4-BE49-F238E27FC236}">
+                <a16:creationId xmlns:a16="http://schemas.microsoft.com/office/drawing/2014/main" id="{7FB23206-147A-4C08-446D-77B7C78827A2}"/>
+              </a:ext>
+            </a:extLst>
+          </p:cNvPr>
+          <p:cNvSpPr>
+            <a:spLocks noGrp="1"/>
+          </p:cNvSpPr>
+          <p:nvPr>
+            <p:ph idx="1"/>
+          </p:nvPr>
+        </p:nvSpPr>
+        <p:spPr>
+          <a:xfrm>
+            <a:off x="319488" y="1487277"/>
+            <a:ext cx="11766015" cy="4414265"/>
+          </a:xfrm>
+        </p:spPr>
+        <p:txBody>
+          <a:bodyPr/>
+          <a:lstStyle/>
+          <a:p>
+            <a:r>
+              <a:rPr lang="en-US" dirty="0"/>
+              <a:t>The data given is </a:t>
+            </a:r>
+            <a:r>
+              <a:rPr lang="en-IN" dirty="0"/>
+              <a:t>all the loans issued through the time period 2007 to 2011</a:t>
+            </a:r>
+            <a:endParaRPr lang="en-US" dirty="0"/>
+          </a:p>
+          <a:p>
+            <a:r>
+              <a:rPr lang="en-US" dirty="0"/>
+              <a:t>The initial data set has </a:t>
+            </a:r>
+            <a:r>
+              <a:rPr lang="en-IN" dirty="0"/>
+              <a:t>39717rows and 111 columns with mixed data types.</a:t>
+            </a:r>
+            <a:endParaRPr lang="en-US" dirty="0"/>
+          </a:p>
+          <a:p>
+            <a:r>
+              <a:rPr lang="en-US" dirty="0"/>
+              <a:t>The understanding started with analyzing the columns in the given data set:</a:t>
+            </a:r>
+          </a:p>
+          <a:p>
+            <a:pPr marL="914400" lvl="1" indent="-457200">
+              <a:buFont typeface="+mj-lt"/>
+              <a:buAutoNum type="arabicPeriod"/>
+            </a:pPr>
+            <a:r>
+              <a:rPr lang="en-US" dirty="0"/>
+              <a:t>54 columns have complete null values</a:t>
+            </a:r>
+          </a:p>
+          <a:p>
+            <a:pPr marL="914400" lvl="1" indent="-457200">
+              <a:buFont typeface="+mj-lt"/>
+              <a:buAutoNum type="arabicPeriod"/>
+            </a:pPr>
+            <a:r>
+              <a:rPr lang="en-US" dirty="0"/>
+              <a:t>Further 4 columns have mostly null values</a:t>
+            </a:r>
+          </a:p>
+          <a:p>
+            <a:pPr marL="914400" lvl="1" indent="-457200">
+              <a:buFont typeface="+mj-lt"/>
+              <a:buAutoNum type="arabicPeriod"/>
+            </a:pPr>
+            <a:r>
+              <a:rPr lang="en-US" dirty="0"/>
+              <a:t>Further 7 columns was found to have just one value</a:t>
+            </a:r>
+          </a:p>
+          <a:p>
+            <a:pPr marL="914400" lvl="1" indent="-457200">
+              <a:buFont typeface="+mj-lt"/>
+              <a:buAutoNum type="arabicPeriod"/>
+            </a:pPr>
+            <a:r>
+              <a:rPr lang="en-US" dirty="0"/>
+              <a:t>Identified 4 columns that do not add any value to analysis</a:t>
+            </a:r>
+          </a:p>
+        </p:txBody>
+      </p:sp>
+    </p:spTree>
+    <p:extLst>
+      <p:ext uri="{BB962C8B-B14F-4D97-AF65-F5344CB8AC3E}">
+        <p14:creationId xmlns:p14="http://schemas.microsoft.com/office/powerpoint/2010/main" val="814019836"/>
+      </p:ext>
+    </p:extLst>
+  </p:cSld>
+  <p:clrMapOvr>
+    <a:masterClrMapping/>
+  </p:clrMapOvr>
+</p:sld>
+</file>
+
+<file path=ppt/slides/slide6.xml><?xml version="1.0" encoding="utf-8"?>
+<p:sld xmlns:a="http://schemas.openxmlformats.org/drawingml/2006/main" xmlns:r="http://schemas.openxmlformats.org/officeDocument/2006/relationships" xmlns:p="http://schemas.openxmlformats.org/presentationml/2006/main">
+  <p:cSld>
+    <p:spTree>
+      <p:nvGrpSpPr>
+        <p:cNvPr id="1" name=""/>
+        <p:cNvGrpSpPr/>
+        <p:nvPr/>
+      </p:nvGrpSpPr>
+      <p:grpSpPr>
+        <a:xfrm>
+          <a:off x="0" y="0"/>
+          <a:ext cx="0" cy="0"/>
+          <a:chOff x="0" y="0"/>
+          <a:chExt cx="0" cy="0"/>
+        </a:xfrm>
+      </p:grpSpPr>
+      <p:sp>
+        <p:nvSpPr>
+          <p:cNvPr id="2" name="Title 1">
+            <a:extLst>
+              <a:ext uri="{FF2B5EF4-FFF2-40B4-BE49-F238E27FC236}">
+                <a16:creationId xmlns:a16="http://schemas.microsoft.com/office/drawing/2014/main" id="{50F3D499-825B-0DB6-28AE-4FC7C3C72DA4}"/>
+              </a:ext>
+            </a:extLst>
+          </p:cNvPr>
+          <p:cNvSpPr>
+            <a:spLocks noGrp="1"/>
+          </p:cNvSpPr>
+          <p:nvPr>
+            <p:ph type="title"/>
+          </p:nvPr>
+        </p:nvSpPr>
+        <p:spPr>
+          <a:xfrm>
+            <a:off x="0" y="0"/>
+            <a:ext cx="12192000" cy="1178805"/>
+          </a:xfrm>
+          <a:solidFill>
+            <a:schemeClr val="accent1"/>
+          </a:solidFill>
+        </p:spPr>
+        <p:txBody>
+          <a:bodyPr/>
+          <a:lstStyle/>
+          <a:p>
+            <a:pPr algn="ctr"/>
+            <a:r>
+              <a:rPr lang="en-US" b="1" dirty="0">
+                <a:solidFill>
+                  <a:schemeClr val="bg1"/>
+                </a:solidFill>
+                <a:latin typeface="Poppins" pitchFamily="2" charset="77"/>
+                <a:ea typeface="League Spartan" charset="0"/>
+                <a:cs typeface="Poppins" pitchFamily="2" charset="77"/>
+              </a:rPr>
+              <a:t>Data Cleaning</a:t>
+            </a:r>
+            <a:endParaRPr lang="en-US" dirty="0"/>
+          </a:p>
+        </p:txBody>
+      </p:sp>
+      <p:sp>
+        <p:nvSpPr>
+          <p:cNvPr id="3" name="Content Placeholder 2">
+            <a:extLst>
+              <a:ext uri="{FF2B5EF4-FFF2-40B4-BE49-F238E27FC236}">
+                <a16:creationId xmlns:a16="http://schemas.microsoft.com/office/drawing/2014/main" id="{7FB23206-147A-4C08-446D-77B7C78827A2}"/>
+              </a:ext>
+            </a:extLst>
+          </p:cNvPr>
+          <p:cNvSpPr>
+            <a:spLocks noGrp="1"/>
+          </p:cNvSpPr>
+          <p:nvPr>
+            <p:ph idx="1"/>
+          </p:nvPr>
+        </p:nvSpPr>
+        <p:spPr>
+          <a:xfrm>
+            <a:off x="319488" y="1487277"/>
+            <a:ext cx="11766015" cy="4414265"/>
+          </a:xfrm>
+        </p:spPr>
+        <p:txBody>
+          <a:bodyPr/>
+          <a:lstStyle/>
+          <a:p>
+            <a:r>
+              <a:rPr lang="en-US" dirty="0"/>
+              <a:t>The 69 columns (54+4+7+4) mentioned in the previous slide were dropped.</a:t>
+            </a:r>
+          </a:p>
+          <a:p>
+            <a:r>
+              <a:rPr lang="en-US" dirty="0"/>
+              <a:t>The null values in “</a:t>
+            </a:r>
+            <a:r>
+              <a:rPr lang="en-US" dirty="0" err="1"/>
+              <a:t>emp_length</a:t>
+            </a:r>
+            <a:r>
+              <a:rPr lang="en-US" dirty="0"/>
+              <a:t>” column were replaced with “0” and removed the extra character “+” at the end.</a:t>
+            </a:r>
+          </a:p>
+          <a:p>
+            <a:r>
+              <a:rPr lang="en-US" dirty="0"/>
+              <a:t>Removed extra “%” character from “</a:t>
+            </a:r>
+            <a:r>
+              <a:rPr lang="en-US" dirty="0" err="1"/>
+              <a:t>int_rate</a:t>
+            </a:r>
+            <a:r>
+              <a:rPr lang="en-US" dirty="0"/>
+              <a:t>” and “</a:t>
+            </a:r>
+            <a:r>
+              <a:rPr lang="en-US" dirty="0" err="1"/>
+              <a:t>revol_util</a:t>
+            </a:r>
+            <a:r>
+              <a:rPr lang="en-US" dirty="0"/>
+              <a:t>” columns.</a:t>
+            </a:r>
+          </a:p>
+          <a:p>
+            <a:r>
+              <a:rPr lang="en-US" dirty="0"/>
+              <a:t>“Unknown” values in “title” and “</a:t>
+            </a:r>
+            <a:r>
+              <a:rPr lang="en-US" dirty="0" err="1"/>
+              <a:t>pub_rec_bankruptcies</a:t>
+            </a:r>
+            <a:r>
+              <a:rPr lang="en-US" dirty="0"/>
+              <a:t>” columns were handled.</a:t>
+            </a:r>
+          </a:p>
+          <a:p>
+            <a:r>
+              <a:rPr lang="en-US" dirty="0"/>
+              <a:t>Further converted relevant columns to numeric data type.</a:t>
+            </a:r>
+          </a:p>
+          <a:p>
+            <a:r>
+              <a:rPr lang="en-US" dirty="0"/>
+              <a:t>Dropped the rows having just null values</a:t>
+            </a:r>
+          </a:p>
+          <a:p>
+            <a:r>
+              <a:rPr lang="en-US" dirty="0"/>
+              <a:t>It finally leaves us with </a:t>
+            </a:r>
+            <a:r>
+              <a:rPr lang="en-IN" dirty="0"/>
+              <a:t>(39598 rows and 42 columns) for analysis.</a:t>
+            </a:r>
+            <a:endParaRPr lang="en-US" dirty="0"/>
+          </a:p>
+        </p:txBody>
+      </p:sp>
+    </p:spTree>
+    <p:extLst>
+      <p:ext uri="{BB962C8B-B14F-4D97-AF65-F5344CB8AC3E}">
+        <p14:creationId xmlns:p14="http://schemas.microsoft.com/office/powerpoint/2010/main" val="2406165870"/>
+      </p:ext>
+    </p:extLst>
+  </p:cSld>
+  <p:clrMapOvr>
+    <a:masterClrMapping/>
+  </p:clrMapOvr>
+</p:sld>
+</file>
+
 <file path=ppt/theme/theme1.xml><?xml version="1.0" encoding="utf-8"?>
 <a:theme xmlns:a="http://schemas.openxmlformats.org/drawingml/2006/main" name="Office Theme">
   <a:themeElements>

--- a/Aditya_Kintali.pptx
+++ b/Aditya_Kintali.pptx
@@ -11,6 +11,13 @@
     <p:sldId id="4094" r:id="rId5"/>
     <p:sldId id="4100" r:id="rId6"/>
     <p:sldId id="4101" r:id="rId7"/>
+    <p:sldId id="4102" r:id="rId8"/>
+    <p:sldId id="4103" r:id="rId9"/>
+    <p:sldId id="4104" r:id="rId10"/>
+    <p:sldId id="4105" r:id="rId11"/>
+    <p:sldId id="4106" r:id="rId12"/>
+    <p:sldId id="4107" r:id="rId13"/>
+    <p:sldId id="4109" r:id="rId14"/>
   </p:sldIdLst>
   <p:sldSz cx="12192000" cy="6858000"/>
   <p:notesSz cx="6858000" cy="9144000"/>
@@ -774,6 +781,252 @@
 </p:sldLayout>
 </file>
 
+<file path=ppt/slideLayouts/slideLayout13.xml><?xml version="1.0" encoding="utf-8"?>
+<p:sldLayout xmlns:a="http://schemas.openxmlformats.org/drawingml/2006/main" xmlns:r="http://schemas.openxmlformats.org/officeDocument/2006/relationships" xmlns:p="http://schemas.openxmlformats.org/presentationml/2006/main" userDrawn="1">
+  <p:cSld name="Thank You Slide 18">
+    <p:spTree>
+      <p:nvGrpSpPr>
+        <p:cNvPr id="1" name=""/>
+        <p:cNvGrpSpPr/>
+        <p:nvPr/>
+      </p:nvGrpSpPr>
+      <p:grpSpPr>
+        <a:xfrm>
+          <a:off x="0" y="0"/>
+          <a:ext cx="0" cy="0"/>
+          <a:chOff x="0" y="0"/>
+          <a:chExt cx="0" cy="0"/>
+        </a:xfrm>
+      </p:grpSpPr>
+      <p:sp>
+        <p:nvSpPr>
+          <p:cNvPr id="6" name="Picture Placeholder 5">
+            <a:extLst>
+              <a:ext uri="{FF2B5EF4-FFF2-40B4-BE49-F238E27FC236}">
+                <a16:creationId xmlns:a16="http://schemas.microsoft.com/office/drawing/2014/main" id="{DA0195CA-61AE-6D49-BDCF-41BC21C3C409}"/>
+              </a:ext>
+            </a:extLst>
+          </p:cNvPr>
+          <p:cNvSpPr>
+            <a:spLocks noGrp="1"/>
+          </p:cNvSpPr>
+          <p:nvPr>
+            <p:ph type="pic" sz="quarter" idx="13"/>
+          </p:nvPr>
+        </p:nvSpPr>
+        <p:spPr>
+          <a:xfrm>
+            <a:off x="6197687" y="379170"/>
+            <a:ext cx="2967554" cy="4046587"/>
+          </a:xfrm>
+          <a:custGeom>
+            <a:avLst/>
+            <a:gdLst>
+              <a:gd name="connsiteX0" fmla="*/ 2966781 w 5933563"/>
+              <a:gd name="connsiteY0" fmla="*/ 0 h 8093173"/>
+              <a:gd name="connsiteX1" fmla="*/ 5933563 w 5933563"/>
+              <a:gd name="connsiteY1" fmla="*/ 2965628 h 8093173"/>
+              <a:gd name="connsiteX2" fmla="*/ 5933563 w 5933563"/>
+              <a:gd name="connsiteY2" fmla="*/ 8093173 h 8093173"/>
+              <a:gd name="connsiteX3" fmla="*/ 0 w 5933563"/>
+              <a:gd name="connsiteY3" fmla="*/ 8093173 h 8093173"/>
+              <a:gd name="connsiteX4" fmla="*/ 0 w 5933563"/>
+              <a:gd name="connsiteY4" fmla="*/ 2965628 h 8093173"/>
+              <a:gd name="connsiteX5" fmla="*/ 2966781 w 5933563"/>
+              <a:gd name="connsiteY5" fmla="*/ 0 h 8093173"/>
+            </a:gdLst>
+            <a:ahLst/>
+            <a:cxnLst>
+              <a:cxn ang="0">
+                <a:pos x="connsiteX0" y="connsiteY0"/>
+              </a:cxn>
+              <a:cxn ang="0">
+                <a:pos x="connsiteX1" y="connsiteY1"/>
+              </a:cxn>
+              <a:cxn ang="0">
+                <a:pos x="connsiteX2" y="connsiteY2"/>
+              </a:cxn>
+              <a:cxn ang="0">
+                <a:pos x="connsiteX3" y="connsiteY3"/>
+              </a:cxn>
+              <a:cxn ang="0">
+                <a:pos x="connsiteX4" y="connsiteY4"/>
+              </a:cxn>
+              <a:cxn ang="0">
+                <a:pos x="connsiteX5" y="connsiteY5"/>
+              </a:cxn>
+            </a:cxnLst>
+            <a:rect l="l" t="t" r="r" b="b"/>
+            <a:pathLst>
+              <a:path w="5933563" h="8093173">
+                <a:moveTo>
+                  <a:pt x="2966781" y="0"/>
+                </a:moveTo>
+                <a:cubicBezTo>
+                  <a:pt x="4604743" y="0"/>
+                  <a:pt x="5933563" y="1327056"/>
+                  <a:pt x="5933563" y="2965628"/>
+                </a:cubicBezTo>
+                <a:lnTo>
+                  <a:pt x="5933563" y="8093173"/>
+                </a:lnTo>
+                <a:lnTo>
+                  <a:pt x="0" y="8093173"/>
+                </a:lnTo>
+                <a:lnTo>
+                  <a:pt x="0" y="2965628"/>
+                </a:lnTo>
+                <a:cubicBezTo>
+                  <a:pt x="0" y="1327056"/>
+                  <a:pt x="1328819" y="0"/>
+                  <a:pt x="2966781" y="0"/>
+                </a:cubicBezTo>
+                <a:close/>
+              </a:path>
+            </a:pathLst>
+          </a:custGeom>
+          <a:solidFill>
+            <a:schemeClr val="bg2">
+              <a:lumMod val="95000"/>
+            </a:schemeClr>
+          </a:solidFill>
+        </p:spPr>
+        <p:txBody>
+          <a:bodyPr wrap="square" anchor="ctr">
+            <a:noAutofit/>
+          </a:bodyPr>
+          <a:lstStyle>
+            <a:lvl1pPr marL="0" indent="0" algn="ctr">
+              <a:buNone/>
+              <a:defRPr sz="1200"/>
+            </a:lvl1pPr>
+          </a:lstStyle>
+          <a:p>
+            <a:endParaRPr lang="en-US"/>
+          </a:p>
+        </p:txBody>
+      </p:sp>
+      <p:sp>
+        <p:nvSpPr>
+          <p:cNvPr id="8" name="Picture Placeholder 7">
+            <a:extLst>
+              <a:ext uri="{FF2B5EF4-FFF2-40B4-BE49-F238E27FC236}">
+                <a16:creationId xmlns:a16="http://schemas.microsoft.com/office/drawing/2014/main" id="{C34D3DB9-7A8A-8745-A17E-F050DB67E48F}"/>
+              </a:ext>
+            </a:extLst>
+          </p:cNvPr>
+          <p:cNvSpPr>
+            <a:spLocks noGrp="1"/>
+          </p:cNvSpPr>
+          <p:nvPr>
+            <p:ph type="pic" sz="quarter" idx="14"/>
+          </p:nvPr>
+        </p:nvSpPr>
+        <p:spPr>
+          <a:xfrm>
+            <a:off x="9501158" y="1769453"/>
+            <a:ext cx="2692722" cy="3241541"/>
+          </a:xfrm>
+          <a:custGeom>
+            <a:avLst/>
+            <a:gdLst>
+              <a:gd name="connsiteX0" fmla="*/ 2963590 w 5384042"/>
+              <a:gd name="connsiteY0" fmla="*/ 0 h 6483081"/>
+              <a:gd name="connsiteX1" fmla="*/ 5384042 w 5384042"/>
+              <a:gd name="connsiteY1" fmla="*/ 1253504 h 6483081"/>
+              <a:gd name="connsiteX2" fmla="*/ 5384042 w 5384042"/>
+              <a:gd name="connsiteY2" fmla="*/ 6483081 h 6483081"/>
+              <a:gd name="connsiteX3" fmla="*/ 0 w 5384042"/>
+              <a:gd name="connsiteY3" fmla="*/ 6483081 h 6483081"/>
+              <a:gd name="connsiteX4" fmla="*/ 0 w 5384042"/>
+              <a:gd name="connsiteY4" fmla="*/ 2965546 h 6483081"/>
+              <a:gd name="connsiteX5" fmla="*/ 2963590 w 5384042"/>
+              <a:gd name="connsiteY5" fmla="*/ 0 h 6483081"/>
+            </a:gdLst>
+            <a:ahLst/>
+            <a:cxnLst>
+              <a:cxn ang="0">
+                <a:pos x="connsiteX0" y="connsiteY0"/>
+              </a:cxn>
+              <a:cxn ang="0">
+                <a:pos x="connsiteX1" y="connsiteY1"/>
+              </a:cxn>
+              <a:cxn ang="0">
+                <a:pos x="connsiteX2" y="connsiteY2"/>
+              </a:cxn>
+              <a:cxn ang="0">
+                <a:pos x="connsiteX3" y="connsiteY3"/>
+              </a:cxn>
+              <a:cxn ang="0">
+                <a:pos x="connsiteX4" y="connsiteY4"/>
+              </a:cxn>
+              <a:cxn ang="0">
+                <a:pos x="connsiteX5" y="connsiteY5"/>
+              </a:cxn>
+            </a:cxnLst>
+            <a:rect l="l" t="t" r="r" b="b"/>
+            <a:pathLst>
+              <a:path w="5384042" h="6483081">
+                <a:moveTo>
+                  <a:pt x="2963590" y="0"/>
+                </a:moveTo>
+                <a:cubicBezTo>
+                  <a:pt x="3963910" y="0"/>
+                  <a:pt x="4847132" y="494673"/>
+                  <a:pt x="5384042" y="1253504"/>
+                </a:cubicBezTo>
+                <a:lnTo>
+                  <a:pt x="5384042" y="6483081"/>
+                </a:lnTo>
+                <a:lnTo>
+                  <a:pt x="0" y="6483081"/>
+                </a:lnTo>
+                <a:lnTo>
+                  <a:pt x="0" y="2965546"/>
+                </a:lnTo>
+                <a:cubicBezTo>
+                  <a:pt x="0" y="1327019"/>
+                  <a:pt x="1326702" y="0"/>
+                  <a:pt x="2963590" y="0"/>
+                </a:cubicBezTo>
+                <a:close/>
+              </a:path>
+            </a:pathLst>
+          </a:custGeom>
+          <a:solidFill>
+            <a:schemeClr val="bg2">
+              <a:lumMod val="95000"/>
+            </a:schemeClr>
+          </a:solidFill>
+        </p:spPr>
+        <p:txBody>
+          <a:bodyPr wrap="square" anchor="ctr">
+            <a:noAutofit/>
+          </a:bodyPr>
+          <a:lstStyle>
+            <a:lvl1pPr marL="0" indent="0" algn="ctr">
+              <a:buNone/>
+              <a:defRPr sz="1200"/>
+            </a:lvl1pPr>
+          </a:lstStyle>
+          <a:p>
+            <a:endParaRPr lang="en-US"/>
+          </a:p>
+        </p:txBody>
+      </p:sp>
+    </p:spTree>
+    <p:extLst>
+      <p:ext uri="{BB962C8B-B14F-4D97-AF65-F5344CB8AC3E}">
+        <p14:creationId xmlns:p14="http://schemas.microsoft.com/office/powerpoint/2010/main" val="2398800343"/>
+      </p:ext>
+    </p:extLst>
+  </p:cSld>
+  <p:clrMapOvr>
+    <a:masterClrMapping/>
+  </p:clrMapOvr>
+</p:sldLayout>
+</file>
+
 <file path=ppt/slideLayouts/slideLayout2.xml><?xml version="1.0" encoding="utf-8"?>
 <p:sldLayout xmlns:a="http://schemas.openxmlformats.org/drawingml/2006/main" xmlns:r="http://schemas.openxmlformats.org/officeDocument/2006/relationships" xmlns:p="http://schemas.openxmlformats.org/presentationml/2006/main" type="obj" preserve="1">
   <p:cSld name="Title and Content">
@@ -3077,6 +3330,7 @@
     <p:sldLayoutId id="2147483658" r:id="rId10"/>
     <p:sldLayoutId id="2147483659" r:id="rId11"/>
     <p:sldLayoutId id="2147483660" r:id="rId12"/>
+    <p:sldLayoutId id="2147483661" r:id="rId13"/>
   </p:sldLayoutIdLst>
   <p:txStyles>
     <p:titleStyle>
@@ -3456,6 +3710,551 @@
     <p:extLst>
       <p:ext uri="{BB962C8B-B14F-4D97-AF65-F5344CB8AC3E}">
         <p14:creationId xmlns:p14="http://schemas.microsoft.com/office/powerpoint/2010/main" val="3012970430"/>
+      </p:ext>
+    </p:extLst>
+  </p:cSld>
+  <p:clrMapOvr>
+    <a:masterClrMapping/>
+  </p:clrMapOvr>
+</p:sld>
+</file>
+
+<file path=ppt/slides/slide10.xml><?xml version="1.0" encoding="utf-8"?>
+<p:sld xmlns:a="http://schemas.openxmlformats.org/drawingml/2006/main" xmlns:r="http://schemas.openxmlformats.org/officeDocument/2006/relationships" xmlns:p="http://schemas.openxmlformats.org/presentationml/2006/main">
+  <p:cSld>
+    <p:spTree>
+      <p:nvGrpSpPr>
+        <p:cNvPr id="1" name=""/>
+        <p:cNvGrpSpPr/>
+        <p:nvPr/>
+      </p:nvGrpSpPr>
+      <p:grpSpPr>
+        <a:xfrm>
+          <a:off x="0" y="0"/>
+          <a:ext cx="0" cy="0"/>
+          <a:chOff x="0" y="0"/>
+          <a:chExt cx="0" cy="0"/>
+        </a:xfrm>
+      </p:grpSpPr>
+      <p:sp>
+        <p:nvSpPr>
+          <p:cNvPr id="2" name="Title 1">
+            <a:extLst>
+              <a:ext uri="{FF2B5EF4-FFF2-40B4-BE49-F238E27FC236}">
+                <a16:creationId xmlns:a16="http://schemas.microsoft.com/office/drawing/2014/main" id="{50F3D499-825B-0DB6-28AE-4FC7C3C72DA4}"/>
+              </a:ext>
+            </a:extLst>
+          </p:cNvPr>
+          <p:cNvSpPr>
+            <a:spLocks noGrp="1"/>
+          </p:cNvSpPr>
+          <p:nvPr>
+            <p:ph type="title"/>
+          </p:nvPr>
+        </p:nvSpPr>
+        <p:spPr>
+          <a:xfrm>
+            <a:off x="0" y="0"/>
+            <a:ext cx="12192000" cy="1178805"/>
+          </a:xfrm>
+          <a:solidFill>
+            <a:schemeClr val="accent1"/>
+          </a:solidFill>
+        </p:spPr>
+        <p:txBody>
+          <a:bodyPr/>
+          <a:lstStyle/>
+          <a:p>
+            <a:pPr algn="ctr"/>
+            <a:r>
+              <a:rPr lang="en-US" b="1" dirty="0">
+                <a:solidFill>
+                  <a:schemeClr val="bg1"/>
+                </a:solidFill>
+                <a:latin typeface="Poppins" pitchFamily="2" charset="77"/>
+                <a:ea typeface="League Spartan" charset="0"/>
+                <a:cs typeface="Poppins" pitchFamily="2" charset="77"/>
+              </a:rPr>
+              <a:t>Conclusion -  4</a:t>
+            </a:r>
+            <a:endParaRPr lang="en-US" dirty="0"/>
+          </a:p>
+        </p:txBody>
+      </p:sp>
+      <p:sp>
+        <p:nvSpPr>
+          <p:cNvPr id="3" name="Content Placeholder 2">
+            <a:extLst>
+              <a:ext uri="{FF2B5EF4-FFF2-40B4-BE49-F238E27FC236}">
+                <a16:creationId xmlns:a16="http://schemas.microsoft.com/office/drawing/2014/main" id="{7FB23206-147A-4C08-446D-77B7C78827A2}"/>
+              </a:ext>
+            </a:extLst>
+          </p:cNvPr>
+          <p:cNvSpPr>
+            <a:spLocks noGrp="1"/>
+          </p:cNvSpPr>
+          <p:nvPr>
+            <p:ph idx="1"/>
+          </p:nvPr>
+        </p:nvSpPr>
+        <p:spPr>
+          <a:xfrm>
+            <a:off x="319488" y="1487277"/>
+            <a:ext cx="11766015" cy="4414265"/>
+          </a:xfrm>
+        </p:spPr>
+        <p:txBody>
+          <a:bodyPr/>
+          <a:lstStyle/>
+          <a:p>
+            <a:endParaRPr lang="en-US" dirty="0"/>
+          </a:p>
+        </p:txBody>
+      </p:sp>
+    </p:spTree>
+    <p:extLst>
+      <p:ext uri="{BB962C8B-B14F-4D97-AF65-F5344CB8AC3E}">
+        <p14:creationId xmlns:p14="http://schemas.microsoft.com/office/powerpoint/2010/main" val="2523155928"/>
+      </p:ext>
+    </p:extLst>
+  </p:cSld>
+  <p:clrMapOvr>
+    <a:masterClrMapping/>
+  </p:clrMapOvr>
+</p:sld>
+</file>
+
+<file path=ppt/slides/slide11.xml><?xml version="1.0" encoding="utf-8"?>
+<p:sld xmlns:a="http://schemas.openxmlformats.org/drawingml/2006/main" xmlns:r="http://schemas.openxmlformats.org/officeDocument/2006/relationships" xmlns:p="http://schemas.openxmlformats.org/presentationml/2006/main">
+  <p:cSld>
+    <p:spTree>
+      <p:nvGrpSpPr>
+        <p:cNvPr id="1" name=""/>
+        <p:cNvGrpSpPr/>
+        <p:nvPr/>
+      </p:nvGrpSpPr>
+      <p:grpSpPr>
+        <a:xfrm>
+          <a:off x="0" y="0"/>
+          <a:ext cx="0" cy="0"/>
+          <a:chOff x="0" y="0"/>
+          <a:chExt cx="0" cy="0"/>
+        </a:xfrm>
+      </p:grpSpPr>
+      <p:sp>
+        <p:nvSpPr>
+          <p:cNvPr id="2" name="Title 1">
+            <a:extLst>
+              <a:ext uri="{FF2B5EF4-FFF2-40B4-BE49-F238E27FC236}">
+                <a16:creationId xmlns:a16="http://schemas.microsoft.com/office/drawing/2014/main" id="{50F3D499-825B-0DB6-28AE-4FC7C3C72DA4}"/>
+              </a:ext>
+            </a:extLst>
+          </p:cNvPr>
+          <p:cNvSpPr>
+            <a:spLocks noGrp="1"/>
+          </p:cNvSpPr>
+          <p:nvPr>
+            <p:ph type="title"/>
+          </p:nvPr>
+        </p:nvSpPr>
+        <p:spPr>
+          <a:xfrm>
+            <a:off x="0" y="0"/>
+            <a:ext cx="12192000" cy="1178805"/>
+          </a:xfrm>
+          <a:solidFill>
+            <a:schemeClr val="accent1"/>
+          </a:solidFill>
+        </p:spPr>
+        <p:txBody>
+          <a:bodyPr/>
+          <a:lstStyle/>
+          <a:p>
+            <a:pPr algn="ctr"/>
+            <a:r>
+              <a:rPr lang="en-US" b="1" dirty="0">
+                <a:solidFill>
+                  <a:schemeClr val="bg1"/>
+                </a:solidFill>
+                <a:latin typeface="Poppins" pitchFamily="2" charset="77"/>
+                <a:ea typeface="League Spartan" charset="0"/>
+                <a:cs typeface="Poppins" pitchFamily="2" charset="77"/>
+              </a:rPr>
+              <a:t>Conclusion -  5</a:t>
+            </a:r>
+            <a:endParaRPr lang="en-US" dirty="0"/>
+          </a:p>
+        </p:txBody>
+      </p:sp>
+      <p:sp>
+        <p:nvSpPr>
+          <p:cNvPr id="3" name="Content Placeholder 2">
+            <a:extLst>
+              <a:ext uri="{FF2B5EF4-FFF2-40B4-BE49-F238E27FC236}">
+                <a16:creationId xmlns:a16="http://schemas.microsoft.com/office/drawing/2014/main" id="{7FB23206-147A-4C08-446D-77B7C78827A2}"/>
+              </a:ext>
+            </a:extLst>
+          </p:cNvPr>
+          <p:cNvSpPr>
+            <a:spLocks noGrp="1"/>
+          </p:cNvSpPr>
+          <p:nvPr>
+            <p:ph idx="1"/>
+          </p:nvPr>
+        </p:nvSpPr>
+        <p:spPr>
+          <a:xfrm>
+            <a:off x="319488" y="1487277"/>
+            <a:ext cx="11766015" cy="4414265"/>
+          </a:xfrm>
+        </p:spPr>
+        <p:txBody>
+          <a:bodyPr/>
+          <a:lstStyle/>
+          <a:p>
+            <a:endParaRPr lang="en-US" dirty="0"/>
+          </a:p>
+        </p:txBody>
+      </p:sp>
+    </p:spTree>
+    <p:extLst>
+      <p:ext uri="{BB962C8B-B14F-4D97-AF65-F5344CB8AC3E}">
+        <p14:creationId xmlns:p14="http://schemas.microsoft.com/office/powerpoint/2010/main" val="2416210307"/>
+      </p:ext>
+    </p:extLst>
+  </p:cSld>
+  <p:clrMapOvr>
+    <a:masterClrMapping/>
+  </p:clrMapOvr>
+</p:sld>
+</file>
+
+<file path=ppt/slides/slide12.xml><?xml version="1.0" encoding="utf-8"?>
+<p:sld xmlns:a="http://schemas.openxmlformats.org/drawingml/2006/main" xmlns:r="http://schemas.openxmlformats.org/officeDocument/2006/relationships" xmlns:p="http://schemas.openxmlformats.org/presentationml/2006/main">
+  <p:cSld>
+    <p:spTree>
+      <p:nvGrpSpPr>
+        <p:cNvPr id="1" name=""/>
+        <p:cNvGrpSpPr/>
+        <p:nvPr/>
+      </p:nvGrpSpPr>
+      <p:grpSpPr>
+        <a:xfrm>
+          <a:off x="0" y="0"/>
+          <a:ext cx="0" cy="0"/>
+          <a:chOff x="0" y="0"/>
+          <a:chExt cx="0" cy="0"/>
+        </a:xfrm>
+      </p:grpSpPr>
+      <p:sp>
+        <p:nvSpPr>
+          <p:cNvPr id="2" name="Title 1">
+            <a:extLst>
+              <a:ext uri="{FF2B5EF4-FFF2-40B4-BE49-F238E27FC236}">
+                <a16:creationId xmlns:a16="http://schemas.microsoft.com/office/drawing/2014/main" id="{50F3D499-825B-0DB6-28AE-4FC7C3C72DA4}"/>
+              </a:ext>
+            </a:extLst>
+          </p:cNvPr>
+          <p:cNvSpPr>
+            <a:spLocks noGrp="1"/>
+          </p:cNvSpPr>
+          <p:nvPr>
+            <p:ph type="title"/>
+          </p:nvPr>
+        </p:nvSpPr>
+        <p:spPr>
+          <a:xfrm>
+            <a:off x="0" y="0"/>
+            <a:ext cx="12192000" cy="1178805"/>
+          </a:xfrm>
+          <a:solidFill>
+            <a:schemeClr val="accent1"/>
+          </a:solidFill>
+        </p:spPr>
+        <p:txBody>
+          <a:bodyPr/>
+          <a:lstStyle/>
+          <a:p>
+            <a:pPr algn="ctr"/>
+            <a:r>
+              <a:rPr lang="en-US" b="1" dirty="0">
+                <a:solidFill>
+                  <a:schemeClr val="bg1"/>
+                </a:solidFill>
+                <a:latin typeface="Poppins" pitchFamily="2" charset="77"/>
+                <a:ea typeface="League Spartan" charset="0"/>
+                <a:cs typeface="Poppins" pitchFamily="2" charset="77"/>
+              </a:rPr>
+              <a:t>Final Comments</a:t>
+            </a:r>
+            <a:endParaRPr lang="en-US" dirty="0"/>
+          </a:p>
+        </p:txBody>
+      </p:sp>
+      <p:sp>
+        <p:nvSpPr>
+          <p:cNvPr id="3" name="Content Placeholder 2">
+            <a:extLst>
+              <a:ext uri="{FF2B5EF4-FFF2-40B4-BE49-F238E27FC236}">
+                <a16:creationId xmlns:a16="http://schemas.microsoft.com/office/drawing/2014/main" id="{7FB23206-147A-4C08-446D-77B7C78827A2}"/>
+              </a:ext>
+            </a:extLst>
+          </p:cNvPr>
+          <p:cNvSpPr>
+            <a:spLocks noGrp="1"/>
+          </p:cNvSpPr>
+          <p:nvPr>
+            <p:ph idx="1"/>
+          </p:nvPr>
+        </p:nvSpPr>
+        <p:spPr>
+          <a:xfrm>
+            <a:off x="319488" y="1487277"/>
+            <a:ext cx="11766015" cy="4414265"/>
+          </a:xfrm>
+        </p:spPr>
+        <p:txBody>
+          <a:bodyPr/>
+          <a:lstStyle/>
+          <a:p>
+            <a:endParaRPr lang="en-US" dirty="0"/>
+          </a:p>
+        </p:txBody>
+      </p:sp>
+    </p:spTree>
+    <p:extLst>
+      <p:ext uri="{BB962C8B-B14F-4D97-AF65-F5344CB8AC3E}">
+        <p14:creationId xmlns:p14="http://schemas.microsoft.com/office/powerpoint/2010/main" val="2214496113"/>
+      </p:ext>
+    </p:extLst>
+  </p:cSld>
+  <p:clrMapOvr>
+    <a:masterClrMapping/>
+  </p:clrMapOvr>
+</p:sld>
+</file>
+
+<file path=ppt/slides/slide13.xml><?xml version="1.0" encoding="utf-8"?>
+<p:sld xmlns:a="http://schemas.openxmlformats.org/drawingml/2006/main" xmlns:r="http://schemas.openxmlformats.org/officeDocument/2006/relationships" xmlns:p="http://schemas.openxmlformats.org/presentationml/2006/main">
+  <p:cSld>
+    <p:spTree>
+      <p:nvGrpSpPr>
+        <p:cNvPr id="1" name=""/>
+        <p:cNvGrpSpPr/>
+        <p:nvPr/>
+      </p:nvGrpSpPr>
+      <p:grpSpPr>
+        <a:xfrm>
+          <a:off x="0" y="0"/>
+          <a:ext cx="0" cy="0"/>
+          <a:chOff x="0" y="0"/>
+          <a:chExt cx="0" cy="0"/>
+        </a:xfrm>
+      </p:grpSpPr>
+      <p:sp>
+        <p:nvSpPr>
+          <p:cNvPr id="10" name="Freeform 2">
+            <a:extLst>
+              <a:ext uri="{FF2B5EF4-FFF2-40B4-BE49-F238E27FC236}">
+                <a16:creationId xmlns:a16="http://schemas.microsoft.com/office/drawing/2014/main" id="{A982A14F-CCD6-8B42-8685-C8D7CA39E8B3}"/>
+              </a:ext>
+            </a:extLst>
+          </p:cNvPr>
+          <p:cNvSpPr>
+            <a:spLocks noChangeArrowheads="1"/>
+          </p:cNvSpPr>
+          <p:nvPr/>
+        </p:nvSpPr>
+        <p:spPr bwMode="auto">
+          <a:xfrm>
+            <a:off x="-917" y="1"/>
+            <a:ext cx="7852631" cy="6858000"/>
+          </a:xfrm>
+          <a:custGeom>
+            <a:avLst/>
+            <a:gdLst>
+              <a:gd name="T0" fmla="*/ 12603 w 12604"/>
+              <a:gd name="T1" fmla="*/ 5504 h 11008"/>
+              <a:gd name="T2" fmla="*/ 12603 w 12604"/>
+              <a:gd name="T3" fmla="*/ 5504 h 11008"/>
+              <a:gd name="T4" fmla="*/ 10257 w 12604"/>
+              <a:gd name="T5" fmla="*/ 11007 h 11008"/>
+              <a:gd name="T6" fmla="*/ 0 w 12604"/>
+              <a:gd name="T7" fmla="*/ 11007 h 11008"/>
+              <a:gd name="T8" fmla="*/ 0 w 12604"/>
+              <a:gd name="T9" fmla="*/ 0 h 11008"/>
+              <a:gd name="T10" fmla="*/ 10257 w 12604"/>
+              <a:gd name="T11" fmla="*/ 0 h 11008"/>
+              <a:gd name="T12" fmla="*/ 10257 w 12604"/>
+              <a:gd name="T13" fmla="*/ 0 h 11008"/>
+              <a:gd name="T14" fmla="*/ 12603 w 12604"/>
+              <a:gd name="T15" fmla="*/ 5504 h 11008"/>
+            </a:gdLst>
+            <a:ahLst/>
+            <a:cxnLst>
+              <a:cxn ang="0">
+                <a:pos x="T0" y="T1"/>
+              </a:cxn>
+              <a:cxn ang="0">
+                <a:pos x="T2" y="T3"/>
+              </a:cxn>
+              <a:cxn ang="0">
+                <a:pos x="T4" y="T5"/>
+              </a:cxn>
+              <a:cxn ang="0">
+                <a:pos x="T6" y="T7"/>
+              </a:cxn>
+              <a:cxn ang="0">
+                <a:pos x="T8" y="T9"/>
+              </a:cxn>
+              <a:cxn ang="0">
+                <a:pos x="T10" y="T11"/>
+              </a:cxn>
+              <a:cxn ang="0">
+                <a:pos x="T12" y="T13"/>
+              </a:cxn>
+              <a:cxn ang="0">
+                <a:pos x="T14" y="T15"/>
+              </a:cxn>
+            </a:cxnLst>
+            <a:rect l="0" t="0" r="r" b="b"/>
+            <a:pathLst>
+              <a:path w="12604" h="11008">
+                <a:moveTo>
+                  <a:pt x="12603" y="5504"/>
+                </a:moveTo>
+                <a:lnTo>
+                  <a:pt x="12603" y="5504"/>
+                </a:lnTo>
+                <a:cubicBezTo>
+                  <a:pt x="12603" y="7666"/>
+                  <a:pt x="11703" y="9618"/>
+                  <a:pt x="10257" y="11007"/>
+                </a:cubicBezTo>
+                <a:lnTo>
+                  <a:pt x="0" y="11007"/>
+                </a:lnTo>
+                <a:lnTo>
+                  <a:pt x="0" y="0"/>
+                </a:lnTo>
+                <a:lnTo>
+                  <a:pt x="10257" y="0"/>
+                </a:lnTo>
+                <a:lnTo>
+                  <a:pt x="10257" y="0"/>
+                </a:lnTo>
+                <a:cubicBezTo>
+                  <a:pt x="11703" y="1389"/>
+                  <a:pt x="12603" y="3342"/>
+                  <a:pt x="12603" y="5504"/>
+                </a:cubicBezTo>
+              </a:path>
+            </a:pathLst>
+          </a:custGeom>
+          <a:solidFill>
+            <a:schemeClr val="accent1"/>
+          </a:solidFill>
+          <a:ln>
+            <a:noFill/>
+          </a:ln>
+          <a:effectLst/>
+        </p:spPr>
+        <p:txBody>
+          <a:bodyPr wrap="none" anchor="ctr"/>
+          <a:lstStyle/>
+          <a:p>
+            <a:endParaRPr lang="en-US" sz="3266" dirty="0">
+              <a:latin typeface="Poppins" pitchFamily="2" charset="77"/>
+            </a:endParaRPr>
+          </a:p>
+        </p:txBody>
+      </p:sp>
+      <p:sp>
+        <p:nvSpPr>
+          <p:cNvPr id="8" name="TextBox 7">
+            <a:extLst>
+              <a:ext uri="{FF2B5EF4-FFF2-40B4-BE49-F238E27FC236}">
+                <a16:creationId xmlns:a16="http://schemas.microsoft.com/office/drawing/2014/main" id="{1B5BFB51-77E0-5E4D-BB0E-65BA415198E5}"/>
+              </a:ext>
+            </a:extLst>
+          </p:cNvPr>
+          <p:cNvSpPr txBox="1"/>
+          <p:nvPr/>
+        </p:nvSpPr>
+        <p:spPr>
+          <a:xfrm>
+            <a:off x="708244" y="1758319"/>
+            <a:ext cx="5387757" cy="1862048"/>
+          </a:xfrm>
+          <a:prstGeom prst="rect">
+            <a:avLst/>
+          </a:prstGeom>
+          <a:noFill/>
+        </p:spPr>
+        <p:txBody>
+          <a:bodyPr wrap="square" rtlCol="0" anchor="t">
+            <a:spAutoFit/>
+          </a:bodyPr>
+          <a:lstStyle/>
+          <a:p>
+            <a:r>
+              <a:rPr lang="en-US" sz="11500" b="1" spc="-375" dirty="0">
+                <a:solidFill>
+                  <a:schemeClr val="bg1"/>
+                </a:solidFill>
+                <a:latin typeface="Poppins" pitchFamily="2" charset="77"/>
+                <a:cs typeface="Poppins" pitchFamily="2" charset="77"/>
+              </a:rPr>
+              <a:t>THANK</a:t>
+            </a:r>
+          </a:p>
+        </p:txBody>
+      </p:sp>
+      <p:sp>
+        <p:nvSpPr>
+          <p:cNvPr id="9" name="TextBox 8">
+            <a:extLst>
+              <a:ext uri="{FF2B5EF4-FFF2-40B4-BE49-F238E27FC236}">
+                <a16:creationId xmlns:a16="http://schemas.microsoft.com/office/drawing/2014/main" id="{A97C8A45-B393-E242-BB83-F698EF65DCAB}"/>
+              </a:ext>
+            </a:extLst>
+          </p:cNvPr>
+          <p:cNvSpPr txBox="1"/>
+          <p:nvPr/>
+        </p:nvSpPr>
+        <p:spPr>
+          <a:xfrm>
+            <a:off x="708244" y="3176678"/>
+            <a:ext cx="3762474" cy="1862048"/>
+          </a:xfrm>
+          <a:prstGeom prst="rect">
+            <a:avLst/>
+          </a:prstGeom>
+          <a:noFill/>
+        </p:spPr>
+        <p:txBody>
+          <a:bodyPr wrap="square" rtlCol="0" anchor="t">
+            <a:spAutoFit/>
+          </a:bodyPr>
+          <a:lstStyle/>
+          <a:p>
+            <a:r>
+              <a:rPr lang="en-US" sz="11500" b="1" spc="-375" dirty="0">
+                <a:solidFill>
+                  <a:schemeClr val="bg1"/>
+                </a:solidFill>
+                <a:latin typeface="Poppins" pitchFamily="2" charset="77"/>
+                <a:cs typeface="Poppins" pitchFamily="2" charset="77"/>
+              </a:rPr>
+              <a:t>YOU</a:t>
+            </a:r>
+          </a:p>
+        </p:txBody>
+      </p:sp>
+    </p:spTree>
+    <p:extLst>
+      <p:ext uri="{BB962C8B-B14F-4D97-AF65-F5344CB8AC3E}">
+        <p14:creationId xmlns:p14="http://schemas.microsoft.com/office/powerpoint/2010/main" val="772318971"/>
       </p:ext>
     </p:extLst>
   </p:cSld>
@@ -8798,6 +9597,321 @@
 </p:sld>
 </file>
 
+<file path=ppt/slides/slide7.xml><?xml version="1.0" encoding="utf-8"?>
+<p:sld xmlns:a="http://schemas.openxmlformats.org/drawingml/2006/main" xmlns:r="http://schemas.openxmlformats.org/officeDocument/2006/relationships" xmlns:p="http://schemas.openxmlformats.org/presentationml/2006/main">
+  <p:cSld>
+    <p:spTree>
+      <p:nvGrpSpPr>
+        <p:cNvPr id="1" name=""/>
+        <p:cNvGrpSpPr/>
+        <p:nvPr/>
+      </p:nvGrpSpPr>
+      <p:grpSpPr>
+        <a:xfrm>
+          <a:off x="0" y="0"/>
+          <a:ext cx="0" cy="0"/>
+          <a:chOff x="0" y="0"/>
+          <a:chExt cx="0" cy="0"/>
+        </a:xfrm>
+      </p:grpSpPr>
+      <p:sp>
+        <p:nvSpPr>
+          <p:cNvPr id="2" name="Title 1">
+            <a:extLst>
+              <a:ext uri="{FF2B5EF4-FFF2-40B4-BE49-F238E27FC236}">
+                <a16:creationId xmlns:a16="http://schemas.microsoft.com/office/drawing/2014/main" id="{50F3D499-825B-0DB6-28AE-4FC7C3C72DA4}"/>
+              </a:ext>
+            </a:extLst>
+          </p:cNvPr>
+          <p:cNvSpPr>
+            <a:spLocks noGrp="1"/>
+          </p:cNvSpPr>
+          <p:nvPr>
+            <p:ph type="title"/>
+          </p:nvPr>
+        </p:nvSpPr>
+        <p:spPr>
+          <a:xfrm>
+            <a:off x="0" y="0"/>
+            <a:ext cx="12192000" cy="1178805"/>
+          </a:xfrm>
+          <a:solidFill>
+            <a:schemeClr val="accent1"/>
+          </a:solidFill>
+        </p:spPr>
+        <p:txBody>
+          <a:bodyPr/>
+          <a:lstStyle/>
+          <a:p>
+            <a:pPr algn="ctr"/>
+            <a:r>
+              <a:rPr lang="en-US" b="1" dirty="0">
+                <a:solidFill>
+                  <a:schemeClr val="bg1"/>
+                </a:solidFill>
+                <a:latin typeface="Poppins" pitchFamily="2" charset="77"/>
+                <a:ea typeface="League Spartan" charset="0"/>
+                <a:cs typeface="Poppins" pitchFamily="2" charset="77"/>
+              </a:rPr>
+              <a:t>Conclusion -  1</a:t>
+            </a:r>
+            <a:endParaRPr lang="en-US" dirty="0"/>
+          </a:p>
+        </p:txBody>
+      </p:sp>
+      <p:sp>
+        <p:nvSpPr>
+          <p:cNvPr id="3" name="Content Placeholder 2">
+            <a:extLst>
+              <a:ext uri="{FF2B5EF4-FFF2-40B4-BE49-F238E27FC236}">
+                <a16:creationId xmlns:a16="http://schemas.microsoft.com/office/drawing/2014/main" id="{7FB23206-147A-4C08-446D-77B7C78827A2}"/>
+              </a:ext>
+            </a:extLst>
+          </p:cNvPr>
+          <p:cNvSpPr>
+            <a:spLocks noGrp="1"/>
+          </p:cNvSpPr>
+          <p:nvPr>
+            <p:ph idx="1"/>
+          </p:nvPr>
+        </p:nvSpPr>
+        <p:spPr>
+          <a:xfrm>
+            <a:off x="319488" y="1487277"/>
+            <a:ext cx="11766015" cy="4414265"/>
+          </a:xfrm>
+        </p:spPr>
+        <p:txBody>
+          <a:bodyPr/>
+          <a:lstStyle/>
+          <a:p>
+            <a:endParaRPr lang="en-US" dirty="0"/>
+          </a:p>
+        </p:txBody>
+      </p:sp>
+    </p:spTree>
+    <p:extLst>
+      <p:ext uri="{BB962C8B-B14F-4D97-AF65-F5344CB8AC3E}">
+        <p14:creationId xmlns:p14="http://schemas.microsoft.com/office/powerpoint/2010/main" val="4132014182"/>
+      </p:ext>
+    </p:extLst>
+  </p:cSld>
+  <p:clrMapOvr>
+    <a:masterClrMapping/>
+  </p:clrMapOvr>
+</p:sld>
+</file>
+
+<file path=ppt/slides/slide8.xml><?xml version="1.0" encoding="utf-8"?>
+<p:sld xmlns:a="http://schemas.openxmlformats.org/drawingml/2006/main" xmlns:r="http://schemas.openxmlformats.org/officeDocument/2006/relationships" xmlns:p="http://schemas.openxmlformats.org/presentationml/2006/main">
+  <p:cSld>
+    <p:spTree>
+      <p:nvGrpSpPr>
+        <p:cNvPr id="1" name=""/>
+        <p:cNvGrpSpPr/>
+        <p:nvPr/>
+      </p:nvGrpSpPr>
+      <p:grpSpPr>
+        <a:xfrm>
+          <a:off x="0" y="0"/>
+          <a:ext cx="0" cy="0"/>
+          <a:chOff x="0" y="0"/>
+          <a:chExt cx="0" cy="0"/>
+        </a:xfrm>
+      </p:grpSpPr>
+      <p:sp>
+        <p:nvSpPr>
+          <p:cNvPr id="2" name="Title 1">
+            <a:extLst>
+              <a:ext uri="{FF2B5EF4-FFF2-40B4-BE49-F238E27FC236}">
+                <a16:creationId xmlns:a16="http://schemas.microsoft.com/office/drawing/2014/main" id="{50F3D499-825B-0DB6-28AE-4FC7C3C72DA4}"/>
+              </a:ext>
+            </a:extLst>
+          </p:cNvPr>
+          <p:cNvSpPr>
+            <a:spLocks noGrp="1"/>
+          </p:cNvSpPr>
+          <p:nvPr>
+            <p:ph type="title"/>
+          </p:nvPr>
+        </p:nvSpPr>
+        <p:spPr>
+          <a:xfrm>
+            <a:off x="0" y="0"/>
+            <a:ext cx="12192000" cy="1178805"/>
+          </a:xfrm>
+          <a:solidFill>
+            <a:schemeClr val="accent1"/>
+          </a:solidFill>
+        </p:spPr>
+        <p:txBody>
+          <a:bodyPr/>
+          <a:lstStyle/>
+          <a:p>
+            <a:pPr algn="ctr"/>
+            <a:r>
+              <a:rPr lang="en-US" b="1" dirty="0">
+                <a:solidFill>
+                  <a:schemeClr val="bg1"/>
+                </a:solidFill>
+                <a:latin typeface="Poppins" pitchFamily="2" charset="77"/>
+                <a:ea typeface="League Spartan" charset="0"/>
+                <a:cs typeface="Poppins" pitchFamily="2" charset="77"/>
+              </a:rPr>
+              <a:t>Conclusion -  2</a:t>
+            </a:r>
+            <a:endParaRPr lang="en-US" dirty="0"/>
+          </a:p>
+        </p:txBody>
+      </p:sp>
+      <p:sp>
+        <p:nvSpPr>
+          <p:cNvPr id="3" name="Content Placeholder 2">
+            <a:extLst>
+              <a:ext uri="{FF2B5EF4-FFF2-40B4-BE49-F238E27FC236}">
+                <a16:creationId xmlns:a16="http://schemas.microsoft.com/office/drawing/2014/main" id="{7FB23206-147A-4C08-446D-77B7C78827A2}"/>
+              </a:ext>
+            </a:extLst>
+          </p:cNvPr>
+          <p:cNvSpPr>
+            <a:spLocks noGrp="1"/>
+          </p:cNvSpPr>
+          <p:nvPr>
+            <p:ph idx="1"/>
+          </p:nvPr>
+        </p:nvSpPr>
+        <p:spPr>
+          <a:xfrm>
+            <a:off x="319488" y="1487277"/>
+            <a:ext cx="11766015" cy="4414265"/>
+          </a:xfrm>
+        </p:spPr>
+        <p:txBody>
+          <a:bodyPr/>
+          <a:lstStyle/>
+          <a:p>
+            <a:endParaRPr lang="en-US" dirty="0"/>
+          </a:p>
+        </p:txBody>
+      </p:sp>
+    </p:spTree>
+    <p:extLst>
+      <p:ext uri="{BB962C8B-B14F-4D97-AF65-F5344CB8AC3E}">
+        <p14:creationId xmlns:p14="http://schemas.microsoft.com/office/powerpoint/2010/main" val="43730990"/>
+      </p:ext>
+    </p:extLst>
+  </p:cSld>
+  <p:clrMapOvr>
+    <a:masterClrMapping/>
+  </p:clrMapOvr>
+</p:sld>
+</file>
+
+<file path=ppt/slides/slide9.xml><?xml version="1.0" encoding="utf-8"?>
+<p:sld xmlns:a="http://schemas.openxmlformats.org/drawingml/2006/main" xmlns:r="http://schemas.openxmlformats.org/officeDocument/2006/relationships" xmlns:p="http://schemas.openxmlformats.org/presentationml/2006/main">
+  <p:cSld>
+    <p:spTree>
+      <p:nvGrpSpPr>
+        <p:cNvPr id="1" name=""/>
+        <p:cNvGrpSpPr/>
+        <p:nvPr/>
+      </p:nvGrpSpPr>
+      <p:grpSpPr>
+        <a:xfrm>
+          <a:off x="0" y="0"/>
+          <a:ext cx="0" cy="0"/>
+          <a:chOff x="0" y="0"/>
+          <a:chExt cx="0" cy="0"/>
+        </a:xfrm>
+      </p:grpSpPr>
+      <p:sp>
+        <p:nvSpPr>
+          <p:cNvPr id="2" name="Title 1">
+            <a:extLst>
+              <a:ext uri="{FF2B5EF4-FFF2-40B4-BE49-F238E27FC236}">
+                <a16:creationId xmlns:a16="http://schemas.microsoft.com/office/drawing/2014/main" id="{50F3D499-825B-0DB6-28AE-4FC7C3C72DA4}"/>
+              </a:ext>
+            </a:extLst>
+          </p:cNvPr>
+          <p:cNvSpPr>
+            <a:spLocks noGrp="1"/>
+          </p:cNvSpPr>
+          <p:nvPr>
+            <p:ph type="title"/>
+          </p:nvPr>
+        </p:nvSpPr>
+        <p:spPr>
+          <a:xfrm>
+            <a:off x="0" y="0"/>
+            <a:ext cx="12192000" cy="1178805"/>
+          </a:xfrm>
+          <a:solidFill>
+            <a:schemeClr val="accent1"/>
+          </a:solidFill>
+        </p:spPr>
+        <p:txBody>
+          <a:bodyPr/>
+          <a:lstStyle/>
+          <a:p>
+            <a:pPr algn="ctr"/>
+            <a:r>
+              <a:rPr lang="en-US" b="1" dirty="0">
+                <a:solidFill>
+                  <a:schemeClr val="bg1"/>
+                </a:solidFill>
+                <a:latin typeface="Poppins" pitchFamily="2" charset="77"/>
+                <a:ea typeface="League Spartan" charset="0"/>
+                <a:cs typeface="Poppins" pitchFamily="2" charset="77"/>
+              </a:rPr>
+              <a:t>Conclusion -  3</a:t>
+            </a:r>
+            <a:endParaRPr lang="en-US" dirty="0"/>
+          </a:p>
+        </p:txBody>
+      </p:sp>
+      <p:sp>
+        <p:nvSpPr>
+          <p:cNvPr id="3" name="Content Placeholder 2">
+            <a:extLst>
+              <a:ext uri="{FF2B5EF4-FFF2-40B4-BE49-F238E27FC236}">
+                <a16:creationId xmlns:a16="http://schemas.microsoft.com/office/drawing/2014/main" id="{7FB23206-147A-4C08-446D-77B7C78827A2}"/>
+              </a:ext>
+            </a:extLst>
+          </p:cNvPr>
+          <p:cNvSpPr>
+            <a:spLocks noGrp="1"/>
+          </p:cNvSpPr>
+          <p:nvPr>
+            <p:ph idx="1"/>
+          </p:nvPr>
+        </p:nvSpPr>
+        <p:spPr>
+          <a:xfrm>
+            <a:off x="319488" y="1487277"/>
+            <a:ext cx="11766015" cy="4414265"/>
+          </a:xfrm>
+        </p:spPr>
+        <p:txBody>
+          <a:bodyPr/>
+          <a:lstStyle/>
+          <a:p>
+            <a:endParaRPr lang="en-US" dirty="0"/>
+          </a:p>
+        </p:txBody>
+      </p:sp>
+    </p:spTree>
+    <p:extLst>
+      <p:ext uri="{BB962C8B-B14F-4D97-AF65-F5344CB8AC3E}">
+        <p14:creationId xmlns:p14="http://schemas.microsoft.com/office/powerpoint/2010/main" val="2013562007"/>
+      </p:ext>
+    </p:extLst>
+  </p:cSld>
+  <p:clrMapOvr>
+    <a:masterClrMapping/>
+  </p:clrMapOvr>
+</p:sld>
+</file>
+
 <file path=ppt/theme/theme1.xml><?xml version="1.0" encoding="utf-8"?>
 <a:theme xmlns:a="http://schemas.openxmlformats.org/drawingml/2006/main" name="Office Theme">
   <a:themeElements>

--- a/Aditya_Kintali.pptx
+++ b/Aditya_Kintali.pptx
@@ -116,6 +116,11 @@
       </a:defRPr>
     </a:lvl9pPr>
   </p:defaultTextStyle>
+  <p:extLst>
+    <p:ext uri="{EFAFB233-063F-42B5-8137-9DF3F51BA10A}">
+      <p15:sldGuideLst xmlns:p15="http://schemas.microsoft.com/office/powerpoint/2012/main"/>
+    </p:ext>
+  </p:extLst>
 </p:presentation>
 </file>
 
@@ -268,7 +273,7 @@
           <a:p>
             <a:fld id="{A34DFF5C-BCAE-F045-8AB9-4581A7765065}" type="datetimeFigureOut">
               <a:rPr lang="en-US" smtClean="0"/>
-              <a:t>6/8/22</a:t>
+              <a:t>6/8/2022</a:t>
             </a:fld>
             <a:endParaRPr lang="en-US"/>
           </a:p>
@@ -468,7 +473,7 @@
           <a:p>
             <a:fld id="{A34DFF5C-BCAE-F045-8AB9-4581A7765065}" type="datetimeFigureOut">
               <a:rPr lang="en-US" smtClean="0"/>
-              <a:t>6/8/22</a:t>
+              <a:t>6/8/2022</a:t>
             </a:fld>
             <a:endParaRPr lang="en-US"/>
           </a:p>
@@ -678,7 +683,7 @@
           <a:p>
             <a:fld id="{A34DFF5C-BCAE-F045-8AB9-4581A7765065}" type="datetimeFigureOut">
               <a:rPr lang="en-US" smtClean="0"/>
-              <a:t>6/8/22</a:t>
+              <a:t>6/8/2022</a:t>
             </a:fld>
             <a:endParaRPr lang="en-US"/>
           </a:p>
@@ -1154,7 +1159,7 @@
           <a:p>
             <a:fld id="{A34DFF5C-BCAE-F045-8AB9-4581A7765065}" type="datetimeFigureOut">
               <a:rPr lang="en-US" smtClean="0"/>
-              <a:t>6/8/22</a:t>
+              <a:t>6/8/2022</a:t>
             </a:fld>
             <a:endParaRPr lang="en-US"/>
           </a:p>
@@ -1430,7 +1435,7 @@
           <a:p>
             <a:fld id="{A34DFF5C-BCAE-F045-8AB9-4581A7765065}" type="datetimeFigureOut">
               <a:rPr lang="en-US" smtClean="0"/>
-              <a:t>6/8/22</a:t>
+              <a:t>6/8/2022</a:t>
             </a:fld>
             <a:endParaRPr lang="en-US"/>
           </a:p>
@@ -1698,7 +1703,7 @@
           <a:p>
             <a:fld id="{A34DFF5C-BCAE-F045-8AB9-4581A7765065}" type="datetimeFigureOut">
               <a:rPr lang="en-US" smtClean="0"/>
-              <a:t>6/8/22</a:t>
+              <a:t>6/8/2022</a:t>
             </a:fld>
             <a:endParaRPr lang="en-US"/>
           </a:p>
@@ -2113,7 +2118,7 @@
           <a:p>
             <a:fld id="{A34DFF5C-BCAE-F045-8AB9-4581A7765065}" type="datetimeFigureOut">
               <a:rPr lang="en-US" smtClean="0"/>
-              <a:t>6/8/22</a:t>
+              <a:t>6/8/2022</a:t>
             </a:fld>
             <a:endParaRPr lang="en-US"/>
           </a:p>
@@ -2255,7 +2260,7 @@
           <a:p>
             <a:fld id="{A34DFF5C-BCAE-F045-8AB9-4581A7765065}" type="datetimeFigureOut">
               <a:rPr lang="en-US" smtClean="0"/>
-              <a:t>6/8/22</a:t>
+              <a:t>6/8/2022</a:t>
             </a:fld>
             <a:endParaRPr lang="en-US"/>
           </a:p>
@@ -2368,7 +2373,7 @@
           <a:p>
             <a:fld id="{A34DFF5C-BCAE-F045-8AB9-4581A7765065}" type="datetimeFigureOut">
               <a:rPr lang="en-US" smtClean="0"/>
-              <a:t>6/8/22</a:t>
+              <a:t>6/8/2022</a:t>
             </a:fld>
             <a:endParaRPr lang="en-US"/>
           </a:p>
@@ -2681,7 +2686,7 @@
           <a:p>
             <a:fld id="{A34DFF5C-BCAE-F045-8AB9-4581A7765065}" type="datetimeFigureOut">
               <a:rPr lang="en-US" smtClean="0"/>
-              <a:t>6/8/22</a:t>
+              <a:t>6/8/2022</a:t>
             </a:fld>
             <a:endParaRPr lang="en-US"/>
           </a:p>
@@ -2970,7 +2975,7 @@
           <a:p>
             <a:fld id="{A34DFF5C-BCAE-F045-8AB9-4581A7765065}" type="datetimeFigureOut">
               <a:rPr lang="en-US" smtClean="0"/>
-              <a:t>6/8/22</a:t>
+              <a:t>6/8/2022</a:t>
             </a:fld>
             <a:endParaRPr lang="en-US"/>
           </a:p>
@@ -3213,7 +3218,7 @@
           <a:p>
             <a:fld id="{A34DFF5C-BCAE-F045-8AB9-4581A7765065}" type="datetimeFigureOut">
               <a:rPr lang="en-US" smtClean="0"/>
-              <a:t>6/8/22</a:t>
+              <a:t>6/8/2022</a:t>
             </a:fld>
             <a:endParaRPr lang="en-US"/>
           </a:p>
@@ -3807,10 +3812,52 @@
           <a:bodyPr/>
           <a:lstStyle/>
           <a:p>
+            <a:r>
+              <a:rPr lang="en-US" b="0" i="0" dirty="0">
+                <a:solidFill>
+                  <a:srgbClr val="24292F"/>
+                </a:solidFill>
+                <a:effectLst/>
+                <a:latin typeface="-apple-system"/>
+              </a:rPr>
+              <a:t>Customers with previous bankruptcy records are more likely to default</a:t>
+            </a:r>
+          </a:p>
+          <a:p>
             <a:endParaRPr lang="en-US" dirty="0"/>
           </a:p>
         </p:txBody>
       </p:sp>
+      <p:pic>
+        <p:nvPicPr>
+          <p:cNvPr id="5" name="Picture 4">
+            <a:extLst>
+              <a:ext uri="{FF2B5EF4-FFF2-40B4-BE49-F238E27FC236}">
+                <a16:creationId xmlns:a16="http://schemas.microsoft.com/office/drawing/2014/main" id="{BCF2888C-9E37-4048-975B-2B9B66355F38}"/>
+              </a:ext>
+            </a:extLst>
+          </p:cNvPr>
+          <p:cNvPicPr>
+            <a:picLocks noChangeAspect="1"/>
+          </p:cNvPicPr>
+          <p:nvPr/>
+        </p:nvPicPr>
+        <p:blipFill>
+          <a:blip r:embed="rId2"/>
+          <a:stretch>
+            <a:fillRect/>
+          </a:stretch>
+        </p:blipFill>
+        <p:spPr>
+          <a:xfrm>
+            <a:off x="754288" y="2317513"/>
+            <a:ext cx="6424072" cy="3978183"/>
+          </a:xfrm>
+          <a:prstGeom prst="rect">
+            <a:avLst/>
+          </a:prstGeom>
+        </p:spPr>
+      </p:pic>
     </p:spTree>
     <p:extLst>
       <p:ext uri="{BB962C8B-B14F-4D97-AF65-F5344CB8AC3E}">
@@ -3912,10 +3959,52 @@
           <a:bodyPr/>
           <a:lstStyle/>
           <a:p>
+            <a:r>
+              <a:rPr lang="en-US" b="0" i="0" dirty="0">
+                <a:solidFill>
+                  <a:srgbClr val="24292F"/>
+                </a:solidFill>
+                <a:effectLst/>
+                <a:latin typeface="-apple-system"/>
+              </a:rPr>
+              <a:t>The defaulters are more for interest rate of around 15%</a:t>
+            </a:r>
+          </a:p>
+          <a:p>
             <a:endParaRPr lang="en-US" dirty="0"/>
           </a:p>
         </p:txBody>
       </p:sp>
+      <p:pic>
+        <p:nvPicPr>
+          <p:cNvPr id="7" name="Picture 6">
+            <a:extLst>
+              <a:ext uri="{FF2B5EF4-FFF2-40B4-BE49-F238E27FC236}">
+                <a16:creationId xmlns:a16="http://schemas.microsoft.com/office/drawing/2014/main" id="{18490E65-AB59-4D7A-BAE4-C614E0342B93}"/>
+              </a:ext>
+            </a:extLst>
+          </p:cNvPr>
+          <p:cNvPicPr>
+            <a:picLocks noChangeAspect="1"/>
+          </p:cNvPicPr>
+          <p:nvPr/>
+        </p:nvPicPr>
+        <p:blipFill>
+          <a:blip r:embed="rId2"/>
+          <a:stretch>
+            <a:fillRect/>
+          </a:stretch>
+        </p:blipFill>
+        <p:spPr>
+          <a:xfrm>
+            <a:off x="319488" y="2050076"/>
+            <a:ext cx="6490526" cy="4338614"/>
+          </a:xfrm>
+          <a:prstGeom prst="rect">
+            <a:avLst/>
+          </a:prstGeom>
+        </p:spPr>
+      </p:pic>
     </p:spTree>
     <p:extLst>
       <p:ext uri="{BB962C8B-B14F-4D97-AF65-F5344CB8AC3E}">
@@ -4016,6 +4105,12 @@
         <p:txBody>
           <a:bodyPr/>
           <a:lstStyle/>
+          <a:p>
+            <a:pPr marL="0" indent="0">
+              <a:buNone/>
+            </a:pPr>
+            <a:endParaRPr lang="en-US" dirty="0"/>
+          </a:p>
           <a:p>
             <a:endParaRPr lang="en-US" dirty="0"/>
           </a:p>
@@ -9685,10 +9780,52 @@
           <a:bodyPr/>
           <a:lstStyle/>
           <a:p>
+            <a:r>
+              <a:rPr lang="en-US" b="0" i="0" dirty="0">
+                <a:solidFill>
+                  <a:srgbClr val="24292F"/>
+                </a:solidFill>
+                <a:effectLst/>
+                <a:latin typeface="-apple-system"/>
+              </a:rPr>
+              <a:t>Customers who are revolving their credit more are more likely to default.</a:t>
+            </a:r>
+          </a:p>
+          <a:p>
             <a:endParaRPr lang="en-US" dirty="0"/>
           </a:p>
         </p:txBody>
       </p:sp>
+      <p:pic>
+        <p:nvPicPr>
+          <p:cNvPr id="5" name="Picture 4">
+            <a:extLst>
+              <a:ext uri="{FF2B5EF4-FFF2-40B4-BE49-F238E27FC236}">
+                <a16:creationId xmlns:a16="http://schemas.microsoft.com/office/drawing/2014/main" id="{302DA5D5-2304-4C0A-AC3E-8A933286EE64}"/>
+              </a:ext>
+            </a:extLst>
+          </p:cNvPr>
+          <p:cNvPicPr>
+            <a:picLocks noChangeAspect="1"/>
+          </p:cNvPicPr>
+          <p:nvPr/>
+        </p:nvPicPr>
+        <p:blipFill>
+          <a:blip r:embed="rId2"/>
+          <a:stretch>
+            <a:fillRect/>
+          </a:stretch>
+        </p:blipFill>
+        <p:spPr>
+          <a:xfrm>
+            <a:off x="482368" y="2641480"/>
+            <a:ext cx="5613632" cy="3359863"/>
+          </a:xfrm>
+          <a:prstGeom prst="rect">
+            <a:avLst/>
+          </a:prstGeom>
+        </p:spPr>
+      </p:pic>
     </p:spTree>
     <p:extLst>
       <p:ext uri="{BB962C8B-B14F-4D97-AF65-F5344CB8AC3E}">
@@ -9790,10 +9927,52 @@
           <a:bodyPr/>
           <a:lstStyle/>
           <a:p>
+            <a:r>
+              <a:rPr lang="en-US" b="0" i="0" dirty="0">
+                <a:solidFill>
+                  <a:srgbClr val="24292F"/>
+                </a:solidFill>
+                <a:effectLst/>
+                <a:latin typeface="-apple-system"/>
+              </a:rPr>
+              <a:t>The shorter the tenure of the loan, more is the likelihood of default.</a:t>
+            </a:r>
+          </a:p>
+          <a:p>
             <a:endParaRPr lang="en-US" dirty="0"/>
           </a:p>
         </p:txBody>
       </p:sp>
+      <p:pic>
+        <p:nvPicPr>
+          <p:cNvPr id="5" name="Picture 4">
+            <a:extLst>
+              <a:ext uri="{FF2B5EF4-FFF2-40B4-BE49-F238E27FC236}">
+                <a16:creationId xmlns:a16="http://schemas.microsoft.com/office/drawing/2014/main" id="{B2A0A465-FFE7-4554-9067-90F55B281635}"/>
+              </a:ext>
+            </a:extLst>
+          </p:cNvPr>
+          <p:cNvPicPr>
+            <a:picLocks noChangeAspect="1"/>
+          </p:cNvPicPr>
+          <p:nvPr/>
+        </p:nvPicPr>
+        <p:blipFill>
+          <a:blip r:embed="rId2"/>
+          <a:stretch>
+            <a:fillRect/>
+          </a:stretch>
+        </p:blipFill>
+        <p:spPr>
+          <a:xfrm>
+            <a:off x="638340" y="2385847"/>
+            <a:ext cx="5072844" cy="3177409"/>
+          </a:xfrm>
+          <a:prstGeom prst="rect">
+            <a:avLst/>
+          </a:prstGeom>
+        </p:spPr>
+      </p:pic>
     </p:spTree>
     <p:extLst>
       <p:ext uri="{BB962C8B-B14F-4D97-AF65-F5344CB8AC3E}">
@@ -9895,10 +10074,94 @@
           <a:bodyPr/>
           <a:lstStyle/>
           <a:p>
+            <a:r>
+              <a:rPr lang="en-US" b="0" i="0" dirty="0">
+                <a:solidFill>
+                  <a:srgbClr val="24292F"/>
+                </a:solidFill>
+                <a:effectLst/>
+                <a:latin typeface="-apple-system"/>
+              </a:rPr>
+              <a:t>Number of customers defaulting loan is almost increasing by double every year, which states the need to bring in better loan approval mechanism.</a:t>
+            </a:r>
+          </a:p>
+          <a:p>
+            <a:r>
+              <a:rPr lang="en-US" b="0" i="0" dirty="0">
+                <a:solidFill>
+                  <a:srgbClr val="24292F"/>
+                </a:solidFill>
+                <a:effectLst/>
+                <a:latin typeface="-apple-system"/>
+              </a:rPr>
+              <a:t>Maximum numbers of loans are approved towards the end of year.</a:t>
+            </a:r>
+          </a:p>
+          <a:p>
             <a:endParaRPr lang="en-US" dirty="0"/>
           </a:p>
         </p:txBody>
       </p:sp>
+      <p:pic>
+        <p:nvPicPr>
+          <p:cNvPr id="5" name="Picture 4">
+            <a:extLst>
+              <a:ext uri="{FF2B5EF4-FFF2-40B4-BE49-F238E27FC236}">
+                <a16:creationId xmlns:a16="http://schemas.microsoft.com/office/drawing/2014/main" id="{08B7377C-E8E5-4C84-917D-B0442361028C}"/>
+              </a:ext>
+            </a:extLst>
+          </p:cNvPr>
+          <p:cNvPicPr>
+            <a:picLocks noChangeAspect="1"/>
+          </p:cNvPicPr>
+          <p:nvPr/>
+        </p:nvPicPr>
+        <p:blipFill>
+          <a:blip r:embed="rId2"/>
+          <a:stretch>
+            <a:fillRect/>
+          </a:stretch>
+        </p:blipFill>
+        <p:spPr>
+          <a:xfrm>
+            <a:off x="550898" y="3162891"/>
+            <a:ext cx="4247288" cy="2738651"/>
+          </a:xfrm>
+          <a:prstGeom prst="rect">
+            <a:avLst/>
+          </a:prstGeom>
+        </p:spPr>
+      </p:pic>
+      <p:pic>
+        <p:nvPicPr>
+          <p:cNvPr id="7" name="Picture 6">
+            <a:extLst>
+              <a:ext uri="{FF2B5EF4-FFF2-40B4-BE49-F238E27FC236}">
+                <a16:creationId xmlns:a16="http://schemas.microsoft.com/office/drawing/2014/main" id="{466429AC-7CEC-469F-9727-5477EA966E2D}"/>
+              </a:ext>
+            </a:extLst>
+          </p:cNvPr>
+          <p:cNvPicPr>
+            <a:picLocks noChangeAspect="1"/>
+          </p:cNvPicPr>
+          <p:nvPr/>
+        </p:nvPicPr>
+        <p:blipFill>
+          <a:blip r:embed="rId3"/>
+          <a:stretch>
+            <a:fillRect/>
+          </a:stretch>
+        </p:blipFill>
+        <p:spPr>
+          <a:xfrm>
+            <a:off x="6709139" y="3162891"/>
+            <a:ext cx="4209959" cy="2866203"/>
+          </a:xfrm>
+          <a:prstGeom prst="rect">
+            <a:avLst/>
+          </a:prstGeom>
+        </p:spPr>
+      </p:pic>
     </p:spTree>
     <p:extLst>
       <p:ext uri="{BB962C8B-B14F-4D97-AF65-F5344CB8AC3E}">
